--- a/presentation.pptx
+++ b/presentation.pptx
@@ -13,6 +13,7 @@
     <p:sldId id="258" r:id="rId10"/>
     <p:sldId id="259" r:id="rId11"/>
     <p:sldId id="260" r:id="rId12"/>
+    <p:sldId id="261" r:id="rId13"/>
   </p:sldIdLst>
   <p:sldSz cx="13004800" cy="9753600"/>
   <p:notesSz cx="6858000" cy="9144000"/>
@@ -5308,7 +5309,7 @@
         </p:nvSpPr>
         <p:spPr>
           <a:xfrm>
-            <a:off x="406400" y="3429000"/>
+            <a:off x="406400" y="2768600"/>
             <a:ext cx="12192000" cy="723900"/>
           </a:xfrm>
           <a:prstGeom prst="rect">
@@ -5328,7 +5329,7 @@
           <a:p>
             <a:pPr/>
             <a:r>
-              <a:t>Now for a demonstration… hopefully?</a:t>
+              <a:t>Now for a demonstration…</a:t>
             </a:r>
           </a:p>
         </p:txBody>
@@ -5353,6 +5354,35 @@
           <a:xfrm>
             <a:off x="12034518" y="107999"/>
             <a:ext cx="999603" cy="800002"/>
+          </a:xfrm>
+          <a:prstGeom prst="rect">
+            <a:avLst/>
+          </a:prstGeom>
+          <a:ln w="12700">
+            <a:miter lim="400000"/>
+          </a:ln>
+        </p:spPr>
+      </p:pic>
+      <p:pic>
+        <p:nvPicPr>
+          <p:cNvPr id="185" name="DSC02647.jpg"/>
+          <p:cNvPicPr>
+            <a:picLocks noChangeAspect="1"/>
+          </p:cNvPicPr>
+          <p:nvPr/>
+        </p:nvPicPr>
+        <p:blipFill>
+          <a:blip r:embed="rId3">
+            <a:extLst/>
+          </a:blip>
+          <a:stretch>
+            <a:fillRect/>
+          </a:stretch>
+        </p:blipFill>
+        <p:spPr>
+          <a:xfrm>
+            <a:off x="4366478" y="4279155"/>
+            <a:ext cx="4271844" cy="4369545"/>
           </a:xfrm>
           <a:prstGeom prst="rect">
             <a:avLst/>
@@ -5390,7 +5420,7 @@
       </p:grpSpPr>
       <p:sp>
         <p:nvSpPr>
-          <p:cNvPr id="186" name="Shape 186"/>
+          <p:cNvPr id="187" name="Shape 187"/>
           <p:cNvSpPr/>
           <p:nvPr>
             <p:ph type="body" idx="13"/>
@@ -5414,7 +5444,7 @@
       </p:sp>
       <p:sp>
         <p:nvSpPr>
-          <p:cNvPr id="187" name="Shape 187"/>
+          <p:cNvPr id="188" name="Shape 188"/>
           <p:cNvSpPr/>
           <p:nvPr>
             <p:ph type="title"/>
@@ -5445,7 +5475,7 @@
       </p:sp>
       <p:sp>
         <p:nvSpPr>
-          <p:cNvPr id="188" name="Shape 188"/>
+          <p:cNvPr id="189" name="Shape 189"/>
           <p:cNvSpPr/>
           <p:nvPr>
             <p:ph type="body" idx="1"/>
@@ -5511,7 +5541,7 @@
       </p:sp>
       <p:pic>
         <p:nvPicPr>
-          <p:cNvPr id="189" name="MF4980.gif"/>
+          <p:cNvPr id="190" name="MF4980.gif"/>
           <p:cNvPicPr>
             <a:picLocks noChangeAspect="1"/>
           </p:cNvPicPr>
@@ -5529,6 +5559,174 @@
           <a:xfrm>
             <a:off x="12034518" y="107999"/>
             <a:ext cx="999603" cy="800002"/>
+          </a:xfrm>
+          <a:prstGeom prst="rect">
+            <a:avLst/>
+          </a:prstGeom>
+          <a:ln w="12700">
+            <a:miter lim="400000"/>
+          </a:ln>
+        </p:spPr>
+      </p:pic>
+    </p:spTree>
+  </p:cSld>
+  <p:clrMapOvr>
+    <a:masterClrMapping/>
+  </p:clrMapOvr>
+  <p:transition xmlns:p14="http://schemas.microsoft.com/office/powerpoint/2010/main" spd="med" advClick="1" p14:dur="1000"/>
+</p:sld>
+</file>
+
+<file path=ppt/slides/slide6.xml><?xml version="1.0" encoding="utf-8"?>
+<p:sld xmlns:a="http://schemas.openxmlformats.org/drawingml/2006/main" xmlns:r="http://schemas.openxmlformats.org/officeDocument/2006/relationships" xmlns:p="http://schemas.openxmlformats.org/presentationml/2006/main" showMasterSp="1" showMasterPhAnim="1">
+  <p:cSld>
+    <p:spTree>
+      <p:nvGrpSpPr>
+        <p:cNvPr id="1" name=""/>
+        <p:cNvGrpSpPr/>
+        <p:nvPr/>
+      </p:nvGrpSpPr>
+      <p:grpSpPr>
+        <a:xfrm>
+          <a:off x="0" y="0"/>
+          <a:ext cx="0" cy="0"/>
+          <a:chOff x="0" y="0"/>
+          <a:chExt cx="0" cy="0"/>
+        </a:xfrm>
+      </p:grpSpPr>
+      <p:sp>
+        <p:nvSpPr>
+          <p:cNvPr id="192" name="Shape 192"/>
+          <p:cNvSpPr/>
+          <p:nvPr>
+            <p:ph type="body" idx="13"/>
+          </p:nvPr>
+        </p:nvSpPr>
+        <p:spPr>
+          <a:prstGeom prst="rect">
+            <a:avLst/>
+          </a:prstGeom>
+        </p:spPr>
+        <p:txBody>
+          <a:bodyPr/>
+          <a:lstStyle/>
+          <a:p>
+            <a:pPr/>
+            <a:r>
+              <a:t>Team 8</a:t>
+            </a:r>
+          </a:p>
+        </p:txBody>
+      </p:sp>
+      <p:sp>
+        <p:nvSpPr>
+          <p:cNvPr id="193" name="Shape 193"/>
+          <p:cNvSpPr/>
+          <p:nvPr>
+            <p:ph type="title"/>
+          </p:nvPr>
+        </p:nvSpPr>
+        <p:spPr>
+          <a:prstGeom prst="rect">
+            <a:avLst/>
+          </a:prstGeom>
+        </p:spPr>
+        <p:txBody>
+          <a:bodyPr/>
+          <a:lstStyle>
+            <a:lvl1pPr defTabSz="233679">
+              <a:spcBef>
+                <a:spcPts val="1100"/>
+              </a:spcBef>
+              <a:defRPr sz="6400"/>
+            </a:lvl1pPr>
+          </a:lstStyle>
+          <a:p>
+            <a:pPr/>
+            <a:r>
+              <a:t>Social media integration</a:t>
+            </a:r>
+          </a:p>
+        </p:txBody>
+      </p:sp>
+      <p:pic>
+        <p:nvPicPr>
+          <p:cNvPr id="194" name="MF4980.gif"/>
+          <p:cNvPicPr>
+            <a:picLocks noChangeAspect="1"/>
+          </p:cNvPicPr>
+          <p:nvPr/>
+        </p:nvPicPr>
+        <p:blipFill>
+          <a:blip r:embed="rId2">
+            <a:extLst/>
+          </a:blip>
+          <a:stretch>
+            <a:fillRect/>
+          </a:stretch>
+        </p:blipFill>
+        <p:spPr>
+          <a:xfrm>
+            <a:off x="12034518" y="107999"/>
+            <a:ext cx="999603" cy="800002"/>
+          </a:xfrm>
+          <a:prstGeom prst="rect">
+            <a:avLst/>
+          </a:prstGeom>
+          <a:ln w="12700">
+            <a:miter lim="400000"/>
+          </a:ln>
+        </p:spPr>
+      </p:pic>
+      <p:pic>
+        <p:nvPicPr>
+          <p:cNvPr id="195" name="fitbit_fb.png"/>
+          <p:cNvPicPr>
+            <a:picLocks noChangeAspect="1"/>
+          </p:cNvPicPr>
+          <p:nvPr/>
+        </p:nvPicPr>
+        <p:blipFill>
+          <a:blip r:embed="rId3">
+            <a:extLst/>
+          </a:blip>
+          <a:stretch>
+            <a:fillRect/>
+          </a:stretch>
+        </p:blipFill>
+        <p:spPr>
+          <a:xfrm>
+            <a:off x="3136900" y="3419475"/>
+            <a:ext cx="6731000" cy="2374900"/>
+          </a:xfrm>
+          <a:prstGeom prst="rect">
+            <a:avLst/>
+          </a:prstGeom>
+          <a:ln w="12700">
+            <a:miter lim="400000"/>
+          </a:ln>
+        </p:spPr>
+      </p:pic>
+      <p:pic>
+        <p:nvPicPr>
+          <p:cNvPr id="196" name="fitbit_tweet.png"/>
+          <p:cNvPicPr>
+            <a:picLocks noChangeAspect="1"/>
+          </p:cNvPicPr>
+          <p:nvPr/>
+        </p:nvPicPr>
+        <p:blipFill>
+          <a:blip r:embed="rId4">
+            <a:extLst/>
+          </a:blip>
+          <a:stretch>
+            <a:fillRect/>
+          </a:stretch>
+        </p:blipFill>
+        <p:spPr>
+          <a:xfrm>
+            <a:off x="2686050" y="6953250"/>
+            <a:ext cx="7632700" cy="1181100"/>
           </a:xfrm>
           <a:prstGeom prst="rect">
             <a:avLst/>
